--- a/pyworks/python_ppt/Python 4장. 리스트, 튜플, 딕셔너리.pptx
+++ b/pyworks/python_ppt/Python 4장. 리스트, 튜플, 딕셔너리.pptx
@@ -262,7 +262,7 @@
           <a:p>
             <a:fld id="{7665CDAC-D627-4E87-877A-1B781DD4CADC}" type="datetimeFigureOut">
               <a:rPr lang="ko-KR" altLang="en-US" smtClean="0"/>
-              <a:t>2023-04-20</a:t>
+              <a:t>2023-04-08</a:t>
             </a:fld>
             <a:endParaRPr lang="ko-KR" altLang="en-US"/>
           </a:p>
@@ -674,7 +674,7 @@
           <a:p>
             <a:fld id="{C25BCFD5-C4DF-4EBC-B718-C69ED2FBDE6F}" type="datetime1">
               <a:rPr lang="ko-KR" altLang="en-US" smtClean="0"/>
-              <a:t>2023-04-20</a:t>
+              <a:t>2023-04-08</a:t>
             </a:fld>
             <a:endParaRPr lang="ko-KR" altLang="en-US"/>
           </a:p>
@@ -1125,7 +1125,7 @@
           <a:p>
             <a:fld id="{AB448CD7-D367-43D5-B461-ACE552E75063}" type="datetime1">
               <a:rPr lang="ko-KR" altLang="en-US" smtClean="0"/>
-              <a:t>2023-04-20</a:t>
+              <a:t>2023-04-08</a:t>
             </a:fld>
             <a:endParaRPr lang="ko-KR" altLang="en-US"/>
           </a:p>
@@ -1303,7 +1303,7 @@
           <a:p>
             <a:fld id="{B6E49E79-7361-4780-8BEF-7EDE3708298A}" type="datetime1">
               <a:rPr lang="ko-KR" altLang="en-US" smtClean="0"/>
-              <a:t>2023-04-20</a:t>
+              <a:t>2023-04-08</a:t>
             </a:fld>
             <a:endParaRPr lang="ko-KR" altLang="en-US"/>
           </a:p>
@@ -1475,7 +1475,7 @@
           <a:p>
             <a:fld id="{A4D42E3C-B70B-437C-85CF-1286301B9CBA}" type="datetime1">
               <a:rPr lang="ko-KR" altLang="en-US" smtClean="0"/>
-              <a:t>2023-04-20</a:t>
+              <a:t>2023-04-08</a:t>
             </a:fld>
             <a:endParaRPr lang="ko-KR" altLang="en-US"/>
           </a:p>
@@ -1727,7 +1727,7 @@
           <a:p>
             <a:fld id="{B3369A20-5B3D-4D98-A822-26B93D177A40}" type="datetime1">
               <a:rPr lang="ko-KR" altLang="en-US" smtClean="0"/>
-              <a:t>2023-04-20</a:t>
+              <a:t>2023-04-08</a:t>
             </a:fld>
             <a:endParaRPr lang="ko-KR" altLang="en-US"/>
           </a:p>
@@ -2012,7 +2012,7 @@
           <a:p>
             <a:fld id="{685CD4CE-9E43-4F70-A9D8-A2130CA7D92A}" type="datetime1">
               <a:rPr lang="ko-KR" altLang="en-US" smtClean="0"/>
-              <a:t>2023-04-20</a:t>
+              <a:t>2023-04-08</a:t>
             </a:fld>
             <a:endParaRPr lang="ko-KR" altLang="en-US"/>
           </a:p>
@@ -2438,7 +2438,7 @@
           <a:p>
             <a:fld id="{F752BD92-DA3E-4A0B-90C9-7DE5E15B6E96}" type="datetime1">
               <a:rPr lang="ko-KR" altLang="en-US" smtClean="0"/>
-              <a:t>2023-04-20</a:t>
+              <a:t>2023-04-08</a:t>
             </a:fld>
             <a:endParaRPr lang="ko-KR" altLang="en-US"/>
           </a:p>
@@ -2562,7 +2562,7 @@
           <a:p>
             <a:fld id="{8EA2B83A-F366-424E-B742-340ACF856BB5}" type="datetime1">
               <a:rPr lang="ko-KR" altLang="en-US" smtClean="0"/>
-              <a:t>2023-04-20</a:t>
+              <a:t>2023-04-08</a:t>
             </a:fld>
             <a:endParaRPr lang="ko-KR" altLang="en-US"/>
           </a:p>
@@ -2657,7 +2657,7 @@
           <a:p>
             <a:fld id="{9A49D68B-5DBD-48E9-A8D4-FCBC4B3DD9C6}" type="datetime1">
               <a:rPr lang="ko-KR" altLang="en-US" smtClean="0"/>
-              <a:t>2023-04-20</a:t>
+              <a:t>2023-04-08</a:t>
             </a:fld>
             <a:endParaRPr lang="ko-KR" altLang="en-US"/>
           </a:p>
@@ -2932,7 +2932,7 @@
           <a:p>
             <a:fld id="{4CAB534F-7D16-467B-9320-91F98915D181}" type="datetime1">
               <a:rPr lang="ko-KR" altLang="en-US" smtClean="0"/>
-              <a:t>2023-04-20</a:t>
+              <a:t>2023-04-08</a:t>
             </a:fld>
             <a:endParaRPr lang="ko-KR" altLang="en-US"/>
           </a:p>
@@ -3184,7 +3184,7 @@
           <a:p>
             <a:fld id="{A390A91F-2F8D-4486-A69D-D680F95444B0}" type="datetime1">
               <a:rPr lang="ko-KR" altLang="en-US" smtClean="0"/>
-              <a:t>2023-04-20</a:t>
+              <a:t>2023-04-08</a:t>
             </a:fld>
             <a:endParaRPr lang="ko-KR" altLang="en-US"/>
           </a:p>
@@ -3363,7 +3363,7 @@
           <a:p>
             <a:fld id="{2238BBEA-E8DD-414A-BF68-FC2AFA7CFF2D}" type="datetime1">
               <a:rPr lang="ko-KR" altLang="en-US" smtClean="0"/>
-              <a:t>2023-04-20</a:t>
+              <a:t>2023-04-08</a:t>
             </a:fld>
             <a:endParaRPr lang="ko-KR" altLang="en-US"/>
           </a:p>
@@ -8557,7 +8557,7 @@
       </p:sp>
       <p:pic>
         <p:nvPicPr>
-          <p:cNvPr id="5" name="그림 4"/>
+          <p:cNvPr id="3" name="그림 2"/>
           <p:cNvPicPr>
             <a:picLocks noChangeAspect="1"/>
           </p:cNvPicPr>
@@ -8577,8 +8577,8 @@
         </p:blipFill>
         <p:spPr>
           <a:xfrm>
-            <a:off x="1712640" y="1844824"/>
-            <a:ext cx="5387807" cy="4648603"/>
+            <a:off x="1645633" y="1916832"/>
+            <a:ext cx="5971663" cy="4643862"/>
           </a:xfrm>
           <a:prstGeom prst="rect">
             <a:avLst/>
@@ -8600,7 +8600,7 @@
         </p:nvSpPr>
         <p:spPr>
           <a:xfrm>
-            <a:off x="6680796" y="2276872"/>
+            <a:off x="6969224" y="2132855"/>
             <a:ext cx="1296144" cy="369332"/>
           </a:xfrm>
           <a:prstGeom prst="rect">
@@ -10499,7 +10499,15 @@
                       <a:pPr algn="l" latinLnBrk="1"/>
                       <a:r>
                         <a:rPr lang="en-US" altLang="ko-KR" sz="1800" dirty="0" smtClean="0"/>
-                        <a:t>&gt;&gt;&gt; fruit = ‘banana, grape, kiwi'</a:t>
+                        <a:t>&gt;&gt;&gt; </a:t>
+                      </a:r>
+                      <a:r>
+                        <a:rPr lang="en-US" altLang="ko-KR" sz="1800" dirty="0" smtClean="0"/>
+                        <a:t>fruit </a:t>
+                      </a:r>
+                      <a:r>
+                        <a:rPr lang="en-US" altLang="ko-KR" sz="1800" dirty="0" smtClean="0"/>
+                        <a:t>= ‘banana, grape, kiwi'</a:t>
                       </a:r>
                     </a:p>
                     <a:p>
@@ -20306,6 +20314,44 @@
           </a:p>
         </p:txBody>
       </p:sp>
+      <p:pic>
+        <p:nvPicPr>
+          <p:cNvPr id="3" name="그림 2"/>
+          <p:cNvPicPr>
+            <a:picLocks noChangeAspect="1"/>
+          </p:cNvPicPr>
+          <p:nvPr/>
+        </p:nvPicPr>
+        <p:blipFill>
+          <a:blip r:embed="rId2">
+            <a:extLst>
+              <a:ext uri="{28A0092B-C50C-407E-A947-70E740481C1C}">
+                <a14:useLocalDpi xmlns:a14="http://schemas.microsoft.com/office/drawing/2010/main" val="0"/>
+              </a:ext>
+            </a:extLst>
+          </a:blip>
+          <a:stretch>
+            <a:fillRect/>
+          </a:stretch>
+        </p:blipFill>
+        <p:spPr>
+          <a:xfrm>
+            <a:off x="5457054" y="2132856"/>
+            <a:ext cx="2306827" cy="1872208"/>
+          </a:xfrm>
+          <a:prstGeom prst="rect">
+            <a:avLst/>
+          </a:prstGeom>
+          <a:ln>
+            <a:solidFill>
+              <a:schemeClr val="accent2">
+                <a:lumMod val="20000"/>
+                <a:lumOff val="80000"/>
+              </a:schemeClr>
+            </a:solidFill>
+          </a:ln>
+        </p:spPr>
+      </p:pic>
       <p:graphicFrame>
         <p:nvGraphicFramePr>
           <p:cNvPr id="25" name="표 24">
@@ -20321,14 +20367,14 @@
           <p:nvPr>
             <p:extLst>
               <p:ext uri="{D42A27DB-BD31-4B8C-83A1-F6EECF244321}">
-                <p14:modId xmlns:p14="http://schemas.microsoft.com/office/powerpoint/2010/main" val="3957184462"/>
+                <p14:modId xmlns:p14="http://schemas.microsoft.com/office/powerpoint/2010/main" val="1984228558"/>
               </p:ext>
             </p:extLst>
           </p:nvPr>
         </p:nvGraphicFramePr>
         <p:xfrm>
-          <a:off x="1424609" y="2132857"/>
-          <a:ext cx="2952328" cy="1512168"/>
+          <a:off x="1424608" y="2132856"/>
+          <a:ext cx="3342727" cy="1779037"/>
         </p:xfrm>
         <a:graphic>
           <a:graphicData uri="http://schemas.openxmlformats.org/drawingml/2006/table">
@@ -20337,14 +20383,14 @@
                 <a:tableStyleId>{5940675A-B579-460E-94D1-54222C63F5DA}</a:tableStyleId>
               </a:tblPr>
               <a:tblGrid>
-                <a:gridCol w="1124697">
+                <a:gridCol w="1273420">
                   <a:extLst>
                     <a:ext uri="{9D8B030D-6E8A-4147-A177-3AD203B41FA5}">
                       <a16:colId xmlns:a16="http://schemas.microsoft.com/office/drawing/2014/main" val="3449779131"/>
                     </a:ext>
                   </a:extLst>
                 </a:gridCol>
-                <a:gridCol w="1827631">
+                <a:gridCol w="2069307">
                   <a:extLst>
                     <a:ext uri="{9D8B030D-6E8A-4147-A177-3AD203B41FA5}">
                       <a16:colId xmlns:a16="http://schemas.microsoft.com/office/drawing/2014/main" val="2999485284"/>
@@ -20352,7 +20398,7 @@
                   </a:extLst>
                 </a:gridCol>
               </a:tblGrid>
-              <a:tr h="352698">
+              <a:tr h="414943">
                 <a:tc>
                   <a:txBody>
                     <a:bodyPr/>
@@ -20409,7 +20455,7 @@
                   </a:ext>
                 </a:extLst>
               </a:tr>
-              <a:tr h="386490">
+              <a:tr h="454698">
                 <a:tc>
                   <a:txBody>
                     <a:bodyPr/>
@@ -20462,7 +20508,7 @@
                   </a:ext>
                 </a:extLst>
               </a:tr>
-              <a:tr h="386490">
+              <a:tr h="454698">
                 <a:tc>
                   <a:txBody>
                     <a:bodyPr/>
@@ -20531,7 +20577,7 @@
                   </a:ext>
                 </a:extLst>
               </a:tr>
-              <a:tr h="386490">
+              <a:tr h="454698">
                 <a:tc>
                   <a:txBody>
                     <a:bodyPr/>
@@ -20604,80 +20650,6 @@
           </a:graphicData>
         </a:graphic>
       </p:graphicFrame>
-      <p:pic>
-        <p:nvPicPr>
-          <p:cNvPr id="5" name="그림 4"/>
-          <p:cNvPicPr>
-            <a:picLocks noChangeAspect="1"/>
-          </p:cNvPicPr>
-          <p:nvPr/>
-        </p:nvPicPr>
-        <p:blipFill>
-          <a:blip r:embed="rId2">
-            <a:extLst>
-              <a:ext uri="{28A0092B-C50C-407E-A947-70E740481C1C}">
-                <a14:useLocalDpi xmlns:a14="http://schemas.microsoft.com/office/drawing/2010/main" val="0"/>
-              </a:ext>
-            </a:extLst>
-          </a:blip>
-          <a:stretch>
-            <a:fillRect/>
-          </a:stretch>
-        </p:blipFill>
-        <p:spPr>
-          <a:xfrm>
-            <a:off x="4736975" y="2132857"/>
-            <a:ext cx="4528709" cy="3682072"/>
-          </a:xfrm>
-          <a:prstGeom prst="rect">
-            <a:avLst/>
-          </a:prstGeom>
-          <a:ln>
-            <a:solidFill>
-              <a:schemeClr val="bg1">
-                <a:lumMod val="85000"/>
-              </a:schemeClr>
-            </a:solidFill>
-          </a:ln>
-        </p:spPr>
-      </p:pic>
-      <p:pic>
-        <p:nvPicPr>
-          <p:cNvPr id="6" name="그림 5"/>
-          <p:cNvPicPr>
-            <a:picLocks noChangeAspect="1"/>
-          </p:cNvPicPr>
-          <p:nvPr/>
-        </p:nvPicPr>
-        <p:blipFill>
-          <a:blip r:embed="rId3">
-            <a:extLst>
-              <a:ext uri="{28A0092B-C50C-407E-A947-70E740481C1C}">
-                <a14:useLocalDpi xmlns:a14="http://schemas.microsoft.com/office/drawing/2010/main" val="0"/>
-              </a:ext>
-            </a:extLst>
-          </a:blip>
-          <a:stretch>
-            <a:fillRect/>
-          </a:stretch>
-        </p:blipFill>
-        <p:spPr>
-          <a:xfrm>
-            <a:off x="1424609" y="4077072"/>
-            <a:ext cx="2915343" cy="1737857"/>
-          </a:xfrm>
-          <a:prstGeom prst="rect">
-            <a:avLst/>
-          </a:prstGeom>
-          <a:ln>
-            <a:solidFill>
-              <a:schemeClr val="bg1">
-                <a:lumMod val="85000"/>
-              </a:schemeClr>
-            </a:solidFill>
-          </a:ln>
-        </p:spPr>
-      </p:pic>
     </p:spTree>
     <p:extLst>
       <p:ext uri="{BB962C8B-B14F-4D97-AF65-F5344CB8AC3E}">
@@ -20691,75 +20663,7 @@
   <p:timing>
     <p:tnLst>
       <p:par>
-        <p:cTn id="1" dur="indefinite" restart="never" nodeType="tmRoot">
-          <p:childTnLst>
-            <p:seq concurrent="1" nextAc="seek">
-              <p:cTn id="2" dur="indefinite" nodeType="mainSeq">
-                <p:childTnLst>
-                  <p:par>
-                    <p:cTn id="3" fill="hold">
-                      <p:stCondLst>
-                        <p:cond delay="indefinite"/>
-                      </p:stCondLst>
-                      <p:childTnLst>
-                        <p:par>
-                          <p:cTn id="4" fill="hold">
-                            <p:stCondLst>
-                              <p:cond delay="0"/>
-                            </p:stCondLst>
-                            <p:childTnLst>
-                              <p:par>
-                                <p:cTn id="5" presetID="1" presetClass="entr" presetSubtype="0" fill="hold" nodeType="clickEffect">
-                                  <p:stCondLst>
-                                    <p:cond delay="0"/>
-                                  </p:stCondLst>
-                                  <p:childTnLst>
-                                    <p:set>
-                                      <p:cBhvr>
-                                        <p:cTn id="6" dur="1" fill="hold">
-                                          <p:stCondLst>
-                                            <p:cond delay="0"/>
-                                          </p:stCondLst>
-                                        </p:cTn>
-                                        <p:tgtEl>
-                                          <p:spTgt spid="6"/>
-                                        </p:tgtEl>
-                                        <p:attrNameLst>
-                                          <p:attrName>style.visibility</p:attrName>
-                                        </p:attrNameLst>
-                                      </p:cBhvr>
-                                      <p:to>
-                                        <p:strVal val="visible"/>
-                                      </p:to>
-                                    </p:set>
-                                  </p:childTnLst>
-                                </p:cTn>
-                              </p:par>
-                            </p:childTnLst>
-                          </p:cTn>
-                        </p:par>
-                      </p:childTnLst>
-                    </p:cTn>
-                  </p:par>
-                </p:childTnLst>
-              </p:cTn>
-              <p:prevCondLst>
-                <p:cond evt="onPrev" delay="0">
-                  <p:tgtEl>
-                    <p:sldTgt/>
-                  </p:tgtEl>
-                </p:cond>
-              </p:prevCondLst>
-              <p:nextCondLst>
-                <p:cond evt="onNext" delay="0">
-                  <p:tgtEl>
-                    <p:sldTgt/>
-                  </p:tgtEl>
-                </p:cond>
-              </p:nextCondLst>
-            </p:seq>
-          </p:childTnLst>
-        </p:cTn>
+        <p:cTn id="1" dur="indefinite" restart="never" nodeType="tmRoot"/>
       </p:par>
     </p:tnLst>
   </p:timing>
